--- a/Mathias_playground/Task 9 & 10 - CuPy Implementation and profilling with nsys/CuPy Changes.pptx
+++ b/Mathias_playground/Task 9 & 10 - CuPy Implementation and profilling with nsys/CuPy Changes.pptx
@@ -3379,8 +3379,8 @@
         </p:blipFill>
         <p:spPr>
           <a:xfrm>
-            <a:off x="0" y="131380"/>
-            <a:ext cx="3721100" cy="257503"/>
+            <a:off x="0" y="124538"/>
+            <a:ext cx="3721100" cy="264346"/>
           </a:xfrm>
           <a:prstGeom prst="rect">
             <a:avLst/>
@@ -3408,7 +3408,7 @@
         </p:blipFill>
         <p:spPr>
           <a:xfrm>
-            <a:off x="4215086" y="395726"/>
+            <a:off x="4255816" y="388883"/>
             <a:ext cx="3721100" cy="197616"/>
           </a:xfrm>
           <a:prstGeom prst="rect">
@@ -3416,50 +3416,21 @@
           </a:prstGeom>
         </p:spPr>
       </p:pic>
-      <p:pic>
-        <p:nvPicPr>
-          <p:cNvPr id="12" name="Picture 11">
-            <a:extLst>
-              <a:ext uri="{FF2B5EF4-FFF2-40B4-BE49-F238E27FC236}">
-                <a16:creationId xmlns:a16="http://schemas.microsoft.com/office/drawing/2014/main" id="{6A67BE19-4EC5-010B-49C1-9249CCC114E8}"/>
-              </a:ext>
-            </a:extLst>
-          </p:cNvPr>
-          <p:cNvPicPr>
-            <a:picLocks noChangeAspect="1"/>
-          </p:cNvPicPr>
+      <p:sp>
+        <p:nvSpPr>
+          <p:cNvPr id="8" name="Right Arrow 7">
+            <a:extLst>
+              <a:ext uri="{FF2B5EF4-FFF2-40B4-BE49-F238E27FC236}">
+                <a16:creationId xmlns:a16="http://schemas.microsoft.com/office/drawing/2014/main" id="{C5233D11-07D5-F6C4-4BCF-00C979DF74AA}"/>
+              </a:ext>
+            </a:extLst>
+          </p:cNvPr>
+          <p:cNvSpPr/>
           <p:nvPr/>
-        </p:nvPicPr>
-        <p:blipFill>
-          <a:blip r:embed="rId3"/>
-          <a:srcRect b="80180"/>
-          <a:stretch/>
-        </p:blipFill>
+        </p:nvSpPr>
         <p:spPr>
           <a:xfrm>
-            <a:off x="4215086" y="127658"/>
-            <a:ext cx="3721100" cy="274363"/>
-          </a:xfrm>
-          <a:prstGeom prst="rect">
-            <a:avLst/>
-          </a:prstGeom>
-        </p:spPr>
-      </p:pic>
-      <p:sp>
-        <p:nvSpPr>
-          <p:cNvPr id="8" name="Right Arrow 7">
-            <a:extLst>
-              <a:ext uri="{FF2B5EF4-FFF2-40B4-BE49-F238E27FC236}">
-                <a16:creationId xmlns:a16="http://schemas.microsoft.com/office/drawing/2014/main" id="{C5233D11-07D5-F6C4-4BCF-00C979DF74AA}"/>
-              </a:ext>
-            </a:extLst>
-          </p:cNvPr>
-          <p:cNvSpPr/>
-          <p:nvPr/>
-        </p:nvSpPr>
-        <p:spPr>
-          <a:xfrm>
-            <a:off x="3721100" y="299545"/>
+            <a:off x="3741465" y="290075"/>
             <a:ext cx="493986" cy="197615"/>
           </a:xfrm>
           <a:prstGeom prst="rightArrow">
@@ -3499,6 +3470,35 @@
           </a:p>
         </p:txBody>
       </p:sp>
+      <p:pic>
+        <p:nvPicPr>
+          <p:cNvPr id="16" name="Picture 15">
+            <a:extLst>
+              <a:ext uri="{FF2B5EF4-FFF2-40B4-BE49-F238E27FC236}">
+                <a16:creationId xmlns:a16="http://schemas.microsoft.com/office/drawing/2014/main" id="{AF111E62-964C-C649-E8D0-6DDCB27916CC}"/>
+              </a:ext>
+            </a:extLst>
+          </p:cNvPr>
+          <p:cNvPicPr>
+            <a:picLocks noChangeAspect="1"/>
+          </p:cNvPicPr>
+          <p:nvPr/>
+        </p:nvPicPr>
+        <p:blipFill>
+          <a:blip r:embed="rId4"/>
+          <a:srcRect t="23327" r="3618" b="17038"/>
+          <a:stretch/>
+        </p:blipFill>
+        <p:spPr>
+          <a:xfrm>
+            <a:off x="4255816" y="124537"/>
+            <a:ext cx="3721100" cy="264346"/>
+          </a:xfrm>
+          <a:prstGeom prst="rect">
+            <a:avLst/>
+          </a:prstGeom>
+        </p:spPr>
+      </p:pic>
     </p:spTree>
     <p:extLst>
       <p:ext uri="{BB962C8B-B14F-4D97-AF65-F5344CB8AC3E}">
